--- a/Google_antitrust/graphs.pptx
+++ b/Google_antitrust/graphs.pptx
@@ -7,6 +7,12 @@
   <p:sldIdLst>
     <p:sldId id="256" r:id="rId2"/>
     <p:sldId id="257" r:id="rId3"/>
+    <p:sldId id="258" r:id="rId4"/>
+    <p:sldId id="259" r:id="rId5"/>
+    <p:sldId id="260" r:id="rId6"/>
+    <p:sldId id="261" r:id="rId7"/>
+    <p:sldId id="262" r:id="rId8"/>
+    <p:sldId id="263" r:id="rId9"/>
   </p:sldIdLst>
   <p:sldSz cx="12192000" cy="6858000"/>
   <p:notesSz cx="6858000" cy="9144000"/>
@@ -105,6 +111,11 @@
       </a:defRPr>
     </a:lvl9pPr>
   </p:defaultTextStyle>
+  <p:extLst>
+    <p:ext uri="{EFAFB233-063F-42B5-8137-9DF3F51BA10A}">
+      <p15:sldGuideLst xmlns:p15="http://schemas.microsoft.com/office/powerpoint/2012/main"/>
+    </p:ext>
+  </p:extLst>
 </p:presentation>
 </file>
 
@@ -255,7 +266,7 @@
           <a:p>
             <a:fld id="{096F73D8-093B-384E-806E-04E20B2198F9}" type="datetimeFigureOut">
               <a:rPr kumimoji="1" lang="zh-CN" altLang="en-US" smtClean="0"/>
-              <a:t>2021/10/18</a:t>
+              <a:t>2021/10/20</a:t>
             </a:fld>
             <a:endParaRPr kumimoji="1" lang="zh-CN" altLang="en-US"/>
           </a:p>
@@ -453,7 +464,7 @@
           <a:p>
             <a:fld id="{096F73D8-093B-384E-806E-04E20B2198F9}" type="datetimeFigureOut">
               <a:rPr kumimoji="1" lang="zh-CN" altLang="en-US" smtClean="0"/>
-              <a:t>2021/10/18</a:t>
+              <a:t>2021/10/20</a:t>
             </a:fld>
             <a:endParaRPr kumimoji="1" lang="zh-CN" altLang="en-US"/>
           </a:p>
@@ -661,7 +672,7 @@
           <a:p>
             <a:fld id="{096F73D8-093B-384E-806E-04E20B2198F9}" type="datetimeFigureOut">
               <a:rPr kumimoji="1" lang="zh-CN" altLang="en-US" smtClean="0"/>
-              <a:t>2021/10/18</a:t>
+              <a:t>2021/10/20</a:t>
             </a:fld>
             <a:endParaRPr kumimoji="1" lang="zh-CN" altLang="en-US"/>
           </a:p>
@@ -859,7 +870,7 @@
           <a:p>
             <a:fld id="{096F73D8-093B-384E-806E-04E20B2198F9}" type="datetimeFigureOut">
               <a:rPr kumimoji="1" lang="zh-CN" altLang="en-US" smtClean="0"/>
-              <a:t>2021/10/18</a:t>
+              <a:t>2021/10/20</a:t>
             </a:fld>
             <a:endParaRPr kumimoji="1" lang="zh-CN" altLang="en-US"/>
           </a:p>
@@ -1134,7 +1145,7 @@
           <a:p>
             <a:fld id="{096F73D8-093B-384E-806E-04E20B2198F9}" type="datetimeFigureOut">
               <a:rPr kumimoji="1" lang="zh-CN" altLang="en-US" smtClean="0"/>
-              <a:t>2021/10/18</a:t>
+              <a:t>2021/10/20</a:t>
             </a:fld>
             <a:endParaRPr kumimoji="1" lang="zh-CN" altLang="en-US"/>
           </a:p>
@@ -1399,7 +1410,7 @@
           <a:p>
             <a:fld id="{096F73D8-093B-384E-806E-04E20B2198F9}" type="datetimeFigureOut">
               <a:rPr kumimoji="1" lang="zh-CN" altLang="en-US" smtClean="0"/>
-              <a:t>2021/10/18</a:t>
+              <a:t>2021/10/20</a:t>
             </a:fld>
             <a:endParaRPr kumimoji="1" lang="zh-CN" altLang="en-US"/>
           </a:p>
@@ -1811,7 +1822,7 @@
           <a:p>
             <a:fld id="{096F73D8-093B-384E-806E-04E20B2198F9}" type="datetimeFigureOut">
               <a:rPr kumimoji="1" lang="zh-CN" altLang="en-US" smtClean="0"/>
-              <a:t>2021/10/18</a:t>
+              <a:t>2021/10/20</a:t>
             </a:fld>
             <a:endParaRPr kumimoji="1" lang="zh-CN" altLang="en-US"/>
           </a:p>
@@ -1952,7 +1963,7 @@
           <a:p>
             <a:fld id="{096F73D8-093B-384E-806E-04E20B2198F9}" type="datetimeFigureOut">
               <a:rPr kumimoji="1" lang="zh-CN" altLang="en-US" smtClean="0"/>
-              <a:t>2021/10/18</a:t>
+              <a:t>2021/10/20</a:t>
             </a:fld>
             <a:endParaRPr kumimoji="1" lang="zh-CN" altLang="en-US"/>
           </a:p>
@@ -2065,7 +2076,7 @@
           <a:p>
             <a:fld id="{096F73D8-093B-384E-806E-04E20B2198F9}" type="datetimeFigureOut">
               <a:rPr kumimoji="1" lang="zh-CN" altLang="en-US" smtClean="0"/>
-              <a:t>2021/10/18</a:t>
+              <a:t>2021/10/20</a:t>
             </a:fld>
             <a:endParaRPr kumimoji="1" lang="zh-CN" altLang="en-US"/>
           </a:p>
@@ -2376,7 +2387,7 @@
           <a:p>
             <a:fld id="{096F73D8-093B-384E-806E-04E20B2198F9}" type="datetimeFigureOut">
               <a:rPr kumimoji="1" lang="zh-CN" altLang="en-US" smtClean="0"/>
-              <a:t>2021/10/18</a:t>
+              <a:t>2021/10/20</a:t>
             </a:fld>
             <a:endParaRPr kumimoji="1" lang="zh-CN" altLang="en-US"/>
           </a:p>
@@ -2664,7 +2675,7 @@
           <a:p>
             <a:fld id="{096F73D8-093B-384E-806E-04E20B2198F9}" type="datetimeFigureOut">
               <a:rPr kumimoji="1" lang="zh-CN" altLang="en-US" smtClean="0"/>
-              <a:t>2021/10/18</a:t>
+              <a:t>2021/10/20</a:t>
             </a:fld>
             <a:endParaRPr kumimoji="1" lang="zh-CN" altLang="en-US"/>
           </a:p>
@@ -2905,7 +2916,7 @@
           <a:p>
             <a:fld id="{096F73D8-093B-384E-806E-04E20B2198F9}" type="datetimeFigureOut">
               <a:rPr kumimoji="1" lang="zh-CN" altLang="en-US" smtClean="0"/>
-              <a:t>2021/10/18</a:t>
+              <a:t>2021/10/20</a:t>
             </a:fld>
             <a:endParaRPr kumimoji="1" lang="zh-CN" altLang="en-US"/>
           </a:p>
@@ -3629,6 +3640,870 @@
 </p:sld>
 </file>
 
+<file path=ppt/slides/slide3.xml><?xml version="1.0" encoding="utf-8"?>
+<p:sld xmlns:a="http://schemas.openxmlformats.org/drawingml/2006/main" xmlns:r="http://schemas.openxmlformats.org/officeDocument/2006/relationships" xmlns:p="http://schemas.openxmlformats.org/presentationml/2006/main">
+  <p:cSld>
+    <p:spTree>
+      <p:nvGrpSpPr>
+        <p:cNvPr id="1" name=""/>
+        <p:cNvGrpSpPr/>
+        <p:nvPr/>
+      </p:nvGrpSpPr>
+      <p:grpSpPr>
+        <a:xfrm>
+          <a:off x="0" y="0"/>
+          <a:ext cx="0" cy="0"/>
+          <a:chOff x="0" y="0"/>
+          <a:chExt cx="0" cy="0"/>
+        </a:xfrm>
+      </p:grpSpPr>
+      <p:pic>
+        <p:nvPicPr>
+          <p:cNvPr id="5" name="图片 4" descr="图表, 折线图&#10;&#10;描述已自动生成">
+            <a:extLst>
+              <a:ext uri="{FF2B5EF4-FFF2-40B4-BE49-F238E27FC236}">
+                <a16:creationId xmlns:a16="http://schemas.microsoft.com/office/drawing/2014/main" id="{ADBDCB8C-2FA1-274C-B1FF-0249EDB340FD}"/>
+              </a:ext>
+            </a:extLst>
+          </p:cNvPr>
+          <p:cNvPicPr/>
+          <p:nvPr/>
+        </p:nvPicPr>
+        <p:blipFill>
+          <a:blip r:embed="rId2">
+            <a:extLst>
+              <a:ext uri="{28A0092B-C50C-407E-A947-70E740481C1C}">
+                <a14:useLocalDpi xmlns:a14="http://schemas.microsoft.com/office/drawing/2010/main" val="0"/>
+              </a:ext>
+            </a:extLst>
+          </a:blip>
+          <a:stretch>
+            <a:fillRect/>
+          </a:stretch>
+        </p:blipFill>
+        <p:spPr>
+          <a:xfrm>
+            <a:off x="885702" y="1462941"/>
+            <a:ext cx="5210298" cy="3351947"/>
+          </a:xfrm>
+          <a:prstGeom prst="rect">
+            <a:avLst/>
+          </a:prstGeom>
+          <a:ln>
+            <a:solidFill>
+              <a:schemeClr val="tx1"/>
+            </a:solidFill>
+          </a:ln>
+        </p:spPr>
+      </p:pic>
+      <p:pic>
+        <p:nvPicPr>
+          <p:cNvPr id="7" name="图片 6" descr="图表, 折线图&#10;&#10;描述已自动生成">
+            <a:extLst>
+              <a:ext uri="{FF2B5EF4-FFF2-40B4-BE49-F238E27FC236}">
+                <a16:creationId xmlns:a16="http://schemas.microsoft.com/office/drawing/2014/main" id="{C01E1AD4-3744-9D45-807E-AAF0CC36A60C}"/>
+              </a:ext>
+            </a:extLst>
+          </p:cNvPr>
+          <p:cNvPicPr/>
+          <p:nvPr/>
+        </p:nvPicPr>
+        <p:blipFill>
+          <a:blip r:embed="rId3">
+            <a:extLst>
+              <a:ext uri="{28A0092B-C50C-407E-A947-70E740481C1C}">
+                <a14:useLocalDpi xmlns:a14="http://schemas.microsoft.com/office/drawing/2010/main" val="0"/>
+              </a:ext>
+            </a:extLst>
+          </a:blip>
+          <a:stretch>
+            <a:fillRect/>
+          </a:stretch>
+        </p:blipFill>
+        <p:spPr>
+          <a:xfrm>
+            <a:off x="6096000" y="1473835"/>
+            <a:ext cx="5334000" cy="3341053"/>
+          </a:xfrm>
+          <a:prstGeom prst="rect">
+            <a:avLst/>
+          </a:prstGeom>
+          <a:ln>
+            <a:solidFill>
+              <a:schemeClr val="tx1"/>
+            </a:solidFill>
+          </a:ln>
+        </p:spPr>
+      </p:pic>
+      <p:sp>
+        <p:nvSpPr>
+          <p:cNvPr id="10" name="文本框 9">
+            <a:extLst>
+              <a:ext uri="{FF2B5EF4-FFF2-40B4-BE49-F238E27FC236}">
+                <a16:creationId xmlns:a16="http://schemas.microsoft.com/office/drawing/2014/main" id="{4F3CD1D3-6790-5642-A2EA-B41DA3D52EA9}"/>
+              </a:ext>
+            </a:extLst>
+          </p:cNvPr>
+          <p:cNvSpPr txBox="1"/>
+          <p:nvPr/>
+        </p:nvSpPr>
+        <p:spPr>
+          <a:xfrm>
+            <a:off x="2527178" y="4919493"/>
+            <a:ext cx="9664822" cy="261610"/>
+          </a:xfrm>
+          <a:prstGeom prst="rect">
+            <a:avLst/>
+          </a:prstGeom>
+          <a:noFill/>
+        </p:spPr>
+        <p:txBody>
+          <a:bodyPr wrap="square">
+            <a:spAutoFit/>
+          </a:bodyPr>
+          <a:lstStyle/>
+          <a:p>
+            <a:pPr marL="495935" algn="just">
+              <a:spcAft>
+                <a:spcPts val="600"/>
+              </a:spcAft>
+            </a:pPr>
+            <a:r>
+              <a:rPr lang="en-US" altLang="zh-CN" sz="1100" dirty="0">
+                <a:solidFill>
+                  <a:srgbClr val="000000"/>
+                </a:solidFill>
+                <a:effectLst/>
+                <a:latin typeface="Arial" panose="020B0604020202020204" pitchFamily="34" charset="0"/>
+                <a:ea typeface="宋体" panose="02010600030101010101" pitchFamily="2" charset="-122"/>
+                <a:cs typeface="宋体" panose="02010600030101010101" pitchFamily="2" charset="-122"/>
+              </a:rPr>
+              <a:t>Diagram: Mobile operating system market share worldwide and in U.S. (source: </a:t>
+            </a:r>
+            <a:r>
+              <a:rPr lang="en-US" altLang="zh-CN" sz="1100" dirty="0" err="1">
+                <a:solidFill>
+                  <a:srgbClr val="000000"/>
+                </a:solidFill>
+                <a:effectLst/>
+                <a:latin typeface="Arial" panose="020B0604020202020204" pitchFamily="34" charset="0"/>
+                <a:ea typeface="宋体" panose="02010600030101010101" pitchFamily="2" charset="-122"/>
+                <a:cs typeface="宋体" panose="02010600030101010101" pitchFamily="2" charset="-122"/>
+              </a:rPr>
+              <a:t>Statcounter</a:t>
+            </a:r>
+            <a:r>
+              <a:rPr lang="en-US" altLang="zh-CN" sz="1100" dirty="0">
+                <a:solidFill>
+                  <a:srgbClr val="000000"/>
+                </a:solidFill>
+                <a:effectLst/>
+                <a:latin typeface="Arial" panose="020B0604020202020204" pitchFamily="34" charset="0"/>
+                <a:ea typeface="宋体" panose="02010600030101010101" pitchFamily="2" charset="-122"/>
+                <a:cs typeface="宋体" panose="02010600030101010101" pitchFamily="2" charset="-122"/>
+              </a:rPr>
+              <a:t>, 2021)</a:t>
+            </a:r>
+            <a:endParaRPr lang="zh-CN" altLang="zh-CN" dirty="0">
+              <a:effectLst/>
+              <a:latin typeface="宋体" panose="02010600030101010101" pitchFamily="2" charset="-122"/>
+              <a:ea typeface="宋体" panose="02010600030101010101" pitchFamily="2" charset="-122"/>
+              <a:cs typeface="宋体" panose="02010600030101010101" pitchFamily="2" charset="-122"/>
+            </a:endParaRPr>
+          </a:p>
+        </p:txBody>
+      </p:sp>
+    </p:spTree>
+    <p:extLst>
+      <p:ext uri="{BB962C8B-B14F-4D97-AF65-F5344CB8AC3E}">
+        <p14:creationId xmlns:p14="http://schemas.microsoft.com/office/powerpoint/2010/main" val="3696557405"/>
+      </p:ext>
+    </p:extLst>
+  </p:cSld>
+  <p:clrMapOvr>
+    <a:masterClrMapping/>
+  </p:clrMapOvr>
+</p:sld>
+</file>
+
+<file path=ppt/slides/slide4.xml><?xml version="1.0" encoding="utf-8"?>
+<p:sld xmlns:a="http://schemas.openxmlformats.org/drawingml/2006/main" xmlns:r="http://schemas.openxmlformats.org/officeDocument/2006/relationships" xmlns:p="http://schemas.openxmlformats.org/presentationml/2006/main">
+  <p:cSld>
+    <p:spTree>
+      <p:nvGrpSpPr>
+        <p:cNvPr id="1" name=""/>
+        <p:cNvGrpSpPr/>
+        <p:nvPr/>
+      </p:nvGrpSpPr>
+      <p:grpSpPr>
+        <a:xfrm>
+          <a:off x="0" y="0"/>
+          <a:ext cx="0" cy="0"/>
+          <a:chOff x="0" y="0"/>
+          <a:chExt cx="0" cy="0"/>
+        </a:xfrm>
+      </p:grpSpPr>
+      <p:pic>
+        <p:nvPicPr>
+          <p:cNvPr id="6" name="Picture 5" descr="图表&#10;&#10;描述已自动生成">
+            <a:extLst>
+              <a:ext uri="{FF2B5EF4-FFF2-40B4-BE49-F238E27FC236}">
+                <a16:creationId xmlns:a16="http://schemas.microsoft.com/office/drawing/2014/main" id="{50AC964B-C292-5A43-A901-B556A243EB38}"/>
+              </a:ext>
+            </a:extLst>
+          </p:cNvPr>
+          <p:cNvPicPr/>
+          <p:nvPr/>
+        </p:nvPicPr>
+        <p:blipFill rotWithShape="1">
+          <a:blip r:embed="rId2"/>
+          <a:srcRect l="6003" t="11410" b="2697"/>
+          <a:stretch/>
+        </p:blipFill>
+        <p:spPr bwMode="auto">
+          <a:xfrm>
+            <a:off x="3224773" y="968691"/>
+            <a:ext cx="5319151" cy="3103245"/>
+          </a:xfrm>
+          <a:prstGeom prst="rect">
+            <a:avLst/>
+          </a:prstGeom>
+          <a:ln w="9525" cap="flat" cmpd="sng" algn="ctr">
+            <a:solidFill>
+              <a:sysClr val="windowText" lastClr="000000"/>
+            </a:solidFill>
+            <a:prstDash val="solid"/>
+            <a:round/>
+            <a:headEnd type="none" w="med" len="med"/>
+            <a:tailEnd type="none" w="med" len="med"/>
+            <a:extLst>
+              <a:ext uri="{C807C97D-BFC1-408E-A445-0C87EB9F89A2}">
+                <ask:lineSketchStyleProps xmlns:ask="http://schemas.microsoft.com/office/drawing/2018/sketchyshapes" sd="0">
+                  <a:custGeom>
+                    <a:avLst/>
+                    <a:gdLst/>
+                    <a:ahLst/>
+                    <a:cxnLst/>
+                    <a:rect l="0" t="0" r="0" b="0"/>
+                    <a:pathLst/>
+                  </a:custGeom>
+                  <ask:type/>
+                </ask:lineSketchStyleProps>
+              </a:ext>
+            </a:extLst>
+          </a:ln>
+          <a:extLst>
+            <a:ext uri="{53640926-AAD7-44D8-BBD7-CCE9431645EC}">
+              <a14:shadowObscured xmlns:a14="http://schemas.microsoft.com/office/drawing/2010/main"/>
+            </a:ext>
+          </a:extLst>
+        </p:spPr>
+      </p:pic>
+      <p:sp>
+        <p:nvSpPr>
+          <p:cNvPr id="8" name="文本框 7">
+            <a:extLst>
+              <a:ext uri="{FF2B5EF4-FFF2-40B4-BE49-F238E27FC236}">
+                <a16:creationId xmlns:a16="http://schemas.microsoft.com/office/drawing/2014/main" id="{DB2CA716-6339-B441-AD31-CCD798F838C7}"/>
+              </a:ext>
+            </a:extLst>
+          </p:cNvPr>
+          <p:cNvSpPr txBox="1"/>
+          <p:nvPr/>
+        </p:nvSpPr>
+        <p:spPr>
+          <a:xfrm>
+            <a:off x="2658757" y="4172635"/>
+            <a:ext cx="6100762" cy="261610"/>
+          </a:xfrm>
+          <a:prstGeom prst="rect">
+            <a:avLst/>
+          </a:prstGeom>
+          <a:noFill/>
+        </p:spPr>
+        <p:txBody>
+          <a:bodyPr wrap="square">
+            <a:spAutoFit/>
+          </a:bodyPr>
+          <a:lstStyle/>
+          <a:p>
+            <a:pPr marL="495935" algn="ctr">
+              <a:spcAft>
+                <a:spcPts val="600"/>
+              </a:spcAft>
+            </a:pPr>
+            <a:r>
+              <a:rPr lang="en-US" altLang="zh-CN" sz="1050" dirty="0">
+                <a:solidFill>
+                  <a:srgbClr val="000000"/>
+                </a:solidFill>
+                <a:effectLst/>
+                <a:latin typeface="Arial" panose="020B0604020202020204" pitchFamily="34" charset="0"/>
+                <a:ea typeface="宋体" panose="02010600030101010101" pitchFamily="2" charset="-122"/>
+                <a:cs typeface="宋体" panose="02010600030101010101" pitchFamily="2" charset="-122"/>
+              </a:rPr>
+              <a:t>Diagram: Mobile audience reach in the U.S. (source: Statista, 2020b)</a:t>
+            </a:r>
+            <a:endParaRPr lang="zh-CN" altLang="zh-CN" sz="1600" dirty="0">
+              <a:effectLst/>
+              <a:latin typeface="宋体" panose="02010600030101010101" pitchFamily="2" charset="-122"/>
+              <a:ea typeface="宋体" panose="02010600030101010101" pitchFamily="2" charset="-122"/>
+              <a:cs typeface="宋体" panose="02010600030101010101" pitchFamily="2" charset="-122"/>
+            </a:endParaRPr>
+          </a:p>
+        </p:txBody>
+      </p:sp>
+    </p:spTree>
+    <p:extLst>
+      <p:ext uri="{BB962C8B-B14F-4D97-AF65-F5344CB8AC3E}">
+        <p14:creationId xmlns:p14="http://schemas.microsoft.com/office/powerpoint/2010/main" val="3668299185"/>
+      </p:ext>
+    </p:extLst>
+  </p:cSld>
+  <p:clrMapOvr>
+    <a:masterClrMapping/>
+  </p:clrMapOvr>
+</p:sld>
+</file>
+
+<file path=ppt/slides/slide5.xml><?xml version="1.0" encoding="utf-8"?>
+<p:sld xmlns:a="http://schemas.openxmlformats.org/drawingml/2006/main" xmlns:r="http://schemas.openxmlformats.org/officeDocument/2006/relationships" xmlns:p="http://schemas.openxmlformats.org/presentationml/2006/main">
+  <p:cSld>
+    <p:spTree>
+      <p:nvGrpSpPr>
+        <p:cNvPr id="1" name=""/>
+        <p:cNvGrpSpPr/>
+        <p:nvPr/>
+      </p:nvGrpSpPr>
+      <p:grpSpPr>
+        <a:xfrm>
+          <a:off x="0" y="0"/>
+          <a:ext cx="0" cy="0"/>
+          <a:chOff x="0" y="0"/>
+          <a:chExt cx="0" cy="0"/>
+        </a:xfrm>
+      </p:grpSpPr>
+      <p:pic>
+        <p:nvPicPr>
+          <p:cNvPr id="4" name="图片 3" descr="图表&#10;&#10;描述已自动生成">
+            <a:extLst>
+              <a:ext uri="{FF2B5EF4-FFF2-40B4-BE49-F238E27FC236}">
+                <a16:creationId xmlns:a16="http://schemas.microsoft.com/office/drawing/2014/main" id="{CDD17E36-62CE-204B-9027-0B0E8F096783}"/>
+              </a:ext>
+            </a:extLst>
+          </p:cNvPr>
+          <p:cNvPicPr/>
+          <p:nvPr/>
+        </p:nvPicPr>
+        <p:blipFill>
+          <a:blip r:embed="rId2" cstate="print">
+            <a:extLst>
+              <a:ext uri="{28A0092B-C50C-407E-A947-70E740481C1C}">
+                <a14:useLocalDpi xmlns:a14="http://schemas.microsoft.com/office/drawing/2010/main" val="0"/>
+              </a:ext>
+            </a:extLst>
+          </a:blip>
+          <a:stretch>
+            <a:fillRect/>
+          </a:stretch>
+        </p:blipFill>
+        <p:spPr>
+          <a:xfrm>
+            <a:off x="1215193" y="1329836"/>
+            <a:ext cx="4371219" cy="3399327"/>
+          </a:xfrm>
+          <a:prstGeom prst="rect">
+            <a:avLst/>
+          </a:prstGeom>
+          <a:ln>
+            <a:solidFill>
+              <a:schemeClr val="tx1"/>
+            </a:solidFill>
+          </a:ln>
+        </p:spPr>
+      </p:pic>
+      <p:pic>
+        <p:nvPicPr>
+          <p:cNvPr id="5" name="图片 4" descr="图表&#10;&#10;描述已自动生成">
+            <a:extLst>
+              <a:ext uri="{FF2B5EF4-FFF2-40B4-BE49-F238E27FC236}">
+                <a16:creationId xmlns:a16="http://schemas.microsoft.com/office/drawing/2014/main" id="{187BD1FD-9D6E-0A4E-9747-869FBA97E193}"/>
+              </a:ext>
+            </a:extLst>
+          </p:cNvPr>
+          <p:cNvPicPr/>
+          <p:nvPr/>
+        </p:nvPicPr>
+        <p:blipFill>
+          <a:blip r:embed="rId3" cstate="print">
+            <a:extLst>
+              <a:ext uri="{28A0092B-C50C-407E-A947-70E740481C1C}">
+                <a14:useLocalDpi xmlns:a14="http://schemas.microsoft.com/office/drawing/2010/main" val="0"/>
+              </a:ext>
+            </a:extLst>
+          </a:blip>
+          <a:stretch>
+            <a:fillRect/>
+          </a:stretch>
+        </p:blipFill>
+        <p:spPr>
+          <a:xfrm>
+            <a:off x="5586412" y="1329836"/>
+            <a:ext cx="4486276" cy="3399327"/>
+          </a:xfrm>
+          <a:prstGeom prst="rect">
+            <a:avLst/>
+          </a:prstGeom>
+          <a:ln>
+            <a:solidFill>
+              <a:schemeClr val="tx1"/>
+            </a:solidFill>
+          </a:ln>
+        </p:spPr>
+      </p:pic>
+      <p:sp>
+        <p:nvSpPr>
+          <p:cNvPr id="7" name="文本框 6">
+            <a:extLst>
+              <a:ext uri="{FF2B5EF4-FFF2-40B4-BE49-F238E27FC236}">
+                <a16:creationId xmlns:a16="http://schemas.microsoft.com/office/drawing/2014/main" id="{8185E798-AA3D-5B4D-A381-D5C4B632D09E}"/>
+              </a:ext>
+            </a:extLst>
+          </p:cNvPr>
+          <p:cNvSpPr txBox="1"/>
+          <p:nvPr/>
+        </p:nvSpPr>
+        <p:spPr>
+          <a:xfrm>
+            <a:off x="1162873" y="4761700"/>
+            <a:ext cx="8847077" cy="261610"/>
+          </a:xfrm>
+          <a:prstGeom prst="rect">
+            <a:avLst/>
+          </a:prstGeom>
+          <a:noFill/>
+        </p:spPr>
+        <p:txBody>
+          <a:bodyPr wrap="square">
+            <a:spAutoFit/>
+          </a:bodyPr>
+          <a:lstStyle/>
+          <a:p>
+            <a:pPr marL="495935" algn="just">
+              <a:spcAft>
+                <a:spcPts val="600"/>
+              </a:spcAft>
+            </a:pPr>
+            <a:r>
+              <a:rPr lang="en-US" altLang="zh-CN" sz="1100" dirty="0">
+                <a:solidFill>
+                  <a:srgbClr val="000000"/>
+                </a:solidFill>
+                <a:effectLst/>
+                <a:latin typeface="Arial" panose="020B0604020202020204" pitchFamily="34" charset="0"/>
+                <a:ea typeface="宋体" panose="02010600030101010101" pitchFamily="2" charset="-122"/>
+                <a:cs typeface="宋体" panose="02010600030101010101" pitchFamily="2" charset="-122"/>
+              </a:rPr>
+              <a:t>Diagram: Search engine market share worldwide and mobile search engine market share worldwide (source: </a:t>
+            </a:r>
+            <a:r>
+              <a:rPr lang="en-US" altLang="zh-CN" sz="1100" dirty="0" err="1">
+                <a:solidFill>
+                  <a:srgbClr val="000000"/>
+                </a:solidFill>
+                <a:effectLst/>
+                <a:latin typeface="Arial" panose="020B0604020202020204" pitchFamily="34" charset="0"/>
+                <a:ea typeface="宋体" panose="02010600030101010101" pitchFamily="2" charset="-122"/>
+                <a:cs typeface="宋体" panose="02010600030101010101" pitchFamily="2" charset="-122"/>
+              </a:rPr>
+              <a:t>Statcounter</a:t>
+            </a:r>
+            <a:r>
+              <a:rPr lang="en-US" altLang="zh-CN" sz="1100" dirty="0">
+                <a:solidFill>
+                  <a:srgbClr val="000000"/>
+                </a:solidFill>
+                <a:effectLst/>
+                <a:latin typeface="Arial" panose="020B0604020202020204" pitchFamily="34" charset="0"/>
+                <a:ea typeface="宋体" panose="02010600030101010101" pitchFamily="2" charset="-122"/>
+                <a:cs typeface="宋体" panose="02010600030101010101" pitchFamily="2" charset="-122"/>
+              </a:rPr>
+              <a:t>, 2021)</a:t>
+            </a:r>
+            <a:endParaRPr lang="zh-CN" altLang="zh-CN" dirty="0">
+              <a:effectLst/>
+              <a:latin typeface="宋体" panose="02010600030101010101" pitchFamily="2" charset="-122"/>
+              <a:ea typeface="宋体" panose="02010600030101010101" pitchFamily="2" charset="-122"/>
+              <a:cs typeface="宋体" panose="02010600030101010101" pitchFamily="2" charset="-122"/>
+            </a:endParaRPr>
+          </a:p>
+        </p:txBody>
+      </p:sp>
+    </p:spTree>
+    <p:extLst>
+      <p:ext uri="{BB962C8B-B14F-4D97-AF65-F5344CB8AC3E}">
+        <p14:creationId xmlns:p14="http://schemas.microsoft.com/office/powerpoint/2010/main" val="1912410901"/>
+      </p:ext>
+    </p:extLst>
+  </p:cSld>
+  <p:clrMapOvr>
+    <a:masterClrMapping/>
+  </p:clrMapOvr>
+</p:sld>
+</file>
+
+<file path=ppt/slides/slide6.xml><?xml version="1.0" encoding="utf-8"?>
+<p:sld xmlns:a="http://schemas.openxmlformats.org/drawingml/2006/main" xmlns:r="http://schemas.openxmlformats.org/officeDocument/2006/relationships" xmlns:p="http://schemas.openxmlformats.org/presentationml/2006/main">
+  <p:cSld>
+    <p:spTree>
+      <p:nvGrpSpPr>
+        <p:cNvPr id="1" name=""/>
+        <p:cNvGrpSpPr/>
+        <p:nvPr/>
+      </p:nvGrpSpPr>
+      <p:grpSpPr>
+        <a:xfrm>
+          <a:off x="0" y="0"/>
+          <a:ext cx="0" cy="0"/>
+          <a:chOff x="0" y="0"/>
+          <a:chExt cx="0" cy="0"/>
+        </a:xfrm>
+      </p:grpSpPr>
+      <p:pic>
+        <p:nvPicPr>
+          <p:cNvPr id="6" name="图片 5" descr="图表, 折线图&#10;&#10;描述已自动生成">
+            <a:extLst>
+              <a:ext uri="{FF2B5EF4-FFF2-40B4-BE49-F238E27FC236}">
+                <a16:creationId xmlns:a16="http://schemas.microsoft.com/office/drawing/2014/main" id="{03CE575F-2952-0C4E-AF9E-16836E09B1AB}"/>
+              </a:ext>
+            </a:extLst>
+          </p:cNvPr>
+          <p:cNvPicPr/>
+          <p:nvPr/>
+        </p:nvPicPr>
+        <p:blipFill>
+          <a:blip r:embed="rId2">
+            <a:extLst>
+              <a:ext uri="{28A0092B-C50C-407E-A947-70E740481C1C}">
+                <a14:useLocalDpi xmlns:a14="http://schemas.microsoft.com/office/drawing/2010/main" val="0"/>
+              </a:ext>
+            </a:extLst>
+          </a:blip>
+          <a:stretch>
+            <a:fillRect/>
+          </a:stretch>
+        </p:blipFill>
+        <p:spPr>
+          <a:xfrm>
+            <a:off x="1093372" y="1150570"/>
+            <a:ext cx="4835940" cy="3707180"/>
+          </a:xfrm>
+          <a:prstGeom prst="rect">
+            <a:avLst/>
+          </a:prstGeom>
+        </p:spPr>
+      </p:pic>
+      <p:pic>
+        <p:nvPicPr>
+          <p:cNvPr id="8" name="图片 7">
+            <a:extLst>
+              <a:ext uri="{FF2B5EF4-FFF2-40B4-BE49-F238E27FC236}">
+                <a16:creationId xmlns:a16="http://schemas.microsoft.com/office/drawing/2014/main" id="{12812DA7-EDD0-DC44-8D75-4A40DA942B7F}"/>
+              </a:ext>
+            </a:extLst>
+          </p:cNvPr>
+          <p:cNvPicPr/>
+          <p:nvPr/>
+        </p:nvPicPr>
+        <p:blipFill>
+          <a:blip r:embed="rId3">
+            <a:extLst>
+              <a:ext uri="{28A0092B-C50C-407E-A947-70E740481C1C}">
+                <a14:useLocalDpi xmlns:a14="http://schemas.microsoft.com/office/drawing/2010/main" val="0"/>
+              </a:ext>
+            </a:extLst>
+          </a:blip>
+          <a:stretch>
+            <a:fillRect/>
+          </a:stretch>
+        </p:blipFill>
+        <p:spPr>
+          <a:xfrm>
+            <a:off x="5824854" y="1150570"/>
+            <a:ext cx="4647884" cy="3707180"/>
+          </a:xfrm>
+          <a:prstGeom prst="rect">
+            <a:avLst/>
+          </a:prstGeom>
+        </p:spPr>
+      </p:pic>
+    </p:spTree>
+    <p:extLst>
+      <p:ext uri="{BB962C8B-B14F-4D97-AF65-F5344CB8AC3E}">
+        <p14:creationId xmlns:p14="http://schemas.microsoft.com/office/powerpoint/2010/main" val="1934971562"/>
+      </p:ext>
+    </p:extLst>
+  </p:cSld>
+  <p:clrMapOvr>
+    <a:masterClrMapping/>
+  </p:clrMapOvr>
+</p:sld>
+</file>
+
+<file path=ppt/slides/slide7.xml><?xml version="1.0" encoding="utf-8"?>
+<p:sld xmlns:a="http://schemas.openxmlformats.org/drawingml/2006/main" xmlns:r="http://schemas.openxmlformats.org/officeDocument/2006/relationships" xmlns:p="http://schemas.openxmlformats.org/presentationml/2006/main">
+  <p:cSld>
+    <p:spTree>
+      <p:nvGrpSpPr>
+        <p:cNvPr id="1" name=""/>
+        <p:cNvGrpSpPr/>
+        <p:nvPr/>
+      </p:nvGrpSpPr>
+      <p:grpSpPr>
+        <a:xfrm>
+          <a:off x="0" y="0"/>
+          <a:ext cx="0" cy="0"/>
+          <a:chOff x="0" y="0"/>
+          <a:chExt cx="0" cy="0"/>
+        </a:xfrm>
+      </p:grpSpPr>
+      <p:pic>
+        <p:nvPicPr>
+          <p:cNvPr id="13" name="Picture 14">
+            <a:extLst>
+              <a:ext uri="{FF2B5EF4-FFF2-40B4-BE49-F238E27FC236}">
+                <a16:creationId xmlns:a16="http://schemas.microsoft.com/office/drawing/2014/main" id="{3AB605BB-89F6-4644-9BCA-A72187AEA95F}"/>
+              </a:ext>
+            </a:extLst>
+          </p:cNvPr>
+          <p:cNvPicPr/>
+          <p:nvPr/>
+        </p:nvPicPr>
+        <p:blipFill>
+          <a:blip r:embed="rId2"/>
+          <a:stretch>
+            <a:fillRect/>
+          </a:stretch>
+        </p:blipFill>
+        <p:spPr>
+          <a:xfrm>
+            <a:off x="1280795" y="1295717"/>
+            <a:ext cx="5019993" cy="3690621"/>
+          </a:xfrm>
+          <a:prstGeom prst="rect">
+            <a:avLst/>
+          </a:prstGeom>
+          <a:ln>
+            <a:solidFill>
+              <a:schemeClr val="tx1"/>
+            </a:solidFill>
+          </a:ln>
+        </p:spPr>
+      </p:pic>
+      <p:pic>
+        <p:nvPicPr>
+          <p:cNvPr id="14" name="Picture 18">
+            <a:extLst>
+              <a:ext uri="{FF2B5EF4-FFF2-40B4-BE49-F238E27FC236}">
+                <a16:creationId xmlns:a16="http://schemas.microsoft.com/office/drawing/2014/main" id="{F9C52FD6-95C4-8447-9AAF-9B2848CF6B0E}"/>
+              </a:ext>
+            </a:extLst>
+          </p:cNvPr>
+          <p:cNvPicPr/>
+          <p:nvPr/>
+        </p:nvPicPr>
+        <p:blipFill>
+          <a:blip r:embed="rId3"/>
+          <a:stretch>
+            <a:fillRect/>
+          </a:stretch>
+        </p:blipFill>
+        <p:spPr>
+          <a:xfrm>
+            <a:off x="6300788" y="1295717"/>
+            <a:ext cx="4610417" cy="3690620"/>
+          </a:xfrm>
+          <a:prstGeom prst="rect">
+            <a:avLst/>
+          </a:prstGeom>
+          <a:ln>
+            <a:solidFill>
+              <a:schemeClr val="tx1"/>
+            </a:solidFill>
+          </a:ln>
+        </p:spPr>
+      </p:pic>
+      <p:sp>
+        <p:nvSpPr>
+          <p:cNvPr id="15" name="文本框 14">
+            <a:extLst>
+              <a:ext uri="{FF2B5EF4-FFF2-40B4-BE49-F238E27FC236}">
+                <a16:creationId xmlns:a16="http://schemas.microsoft.com/office/drawing/2014/main" id="{F75EEE56-FCAA-3140-BE9B-AFD7A8D00899}"/>
+              </a:ext>
+            </a:extLst>
+          </p:cNvPr>
+          <p:cNvSpPr txBox="1"/>
+          <p:nvPr/>
+        </p:nvSpPr>
+        <p:spPr>
+          <a:xfrm>
+            <a:off x="2722135" y="5004975"/>
+            <a:ext cx="6100762" cy="261610"/>
+          </a:xfrm>
+          <a:prstGeom prst="rect">
+            <a:avLst/>
+          </a:prstGeom>
+          <a:noFill/>
+        </p:spPr>
+        <p:txBody>
+          <a:bodyPr wrap="square">
+            <a:spAutoFit/>
+          </a:bodyPr>
+          <a:lstStyle/>
+          <a:p>
+            <a:pPr marL="495935" algn="just">
+              <a:spcAft>
+                <a:spcPts val="600"/>
+              </a:spcAft>
+            </a:pPr>
+            <a:r>
+              <a:rPr lang="en-US" altLang="zh-CN" sz="1100" dirty="0">
+                <a:solidFill>
+                  <a:srgbClr val="000000"/>
+                </a:solidFill>
+                <a:effectLst/>
+                <a:latin typeface="Arial" panose="020B0604020202020204" pitchFamily="34" charset="0"/>
+                <a:ea typeface="宋体" panose="02010600030101010101" pitchFamily="2" charset="-122"/>
+                <a:cs typeface="宋体" panose="02010600030101010101" pitchFamily="2" charset="-122"/>
+              </a:rPr>
+              <a:t>Diagram: Annual revenue of Google and fines from EU (source: Statista, 2020a)</a:t>
+            </a:r>
+            <a:endParaRPr lang="zh-CN" altLang="zh-CN" dirty="0">
+              <a:effectLst/>
+              <a:latin typeface="宋体" panose="02010600030101010101" pitchFamily="2" charset="-122"/>
+              <a:ea typeface="宋体" panose="02010600030101010101" pitchFamily="2" charset="-122"/>
+              <a:cs typeface="宋体" panose="02010600030101010101" pitchFamily="2" charset="-122"/>
+            </a:endParaRPr>
+          </a:p>
+        </p:txBody>
+      </p:sp>
+    </p:spTree>
+    <p:extLst>
+      <p:ext uri="{BB962C8B-B14F-4D97-AF65-F5344CB8AC3E}">
+        <p14:creationId xmlns:p14="http://schemas.microsoft.com/office/powerpoint/2010/main" val="4289639746"/>
+      </p:ext>
+    </p:extLst>
+  </p:cSld>
+  <p:clrMapOvr>
+    <a:masterClrMapping/>
+  </p:clrMapOvr>
+</p:sld>
+</file>
+
+<file path=ppt/slides/slide8.xml><?xml version="1.0" encoding="utf-8"?>
+<p:sld xmlns:a="http://schemas.openxmlformats.org/drawingml/2006/main" xmlns:r="http://schemas.openxmlformats.org/officeDocument/2006/relationships" xmlns:p="http://schemas.openxmlformats.org/presentationml/2006/main">
+  <p:cSld>
+    <p:spTree>
+      <p:nvGrpSpPr>
+        <p:cNvPr id="1" name=""/>
+        <p:cNvGrpSpPr/>
+        <p:nvPr/>
+      </p:nvGrpSpPr>
+      <p:grpSpPr>
+        <a:xfrm>
+          <a:off x="0" y="0"/>
+          <a:ext cx="0" cy="0"/>
+          <a:chOff x="0" y="0"/>
+          <a:chExt cx="0" cy="0"/>
+        </a:xfrm>
+      </p:grpSpPr>
+      <p:pic>
+        <p:nvPicPr>
+          <p:cNvPr id="5" name="Picture 9">
+            <a:extLst>
+              <a:ext uri="{FF2B5EF4-FFF2-40B4-BE49-F238E27FC236}">
+                <a16:creationId xmlns:a16="http://schemas.microsoft.com/office/drawing/2014/main" id="{5E82C31C-18F5-6B43-A353-540EA29BCDC8}"/>
+              </a:ext>
+            </a:extLst>
+          </p:cNvPr>
+          <p:cNvPicPr/>
+          <p:nvPr/>
+        </p:nvPicPr>
+        <p:blipFill>
+          <a:blip r:embed="rId2"/>
+          <a:stretch>
+            <a:fillRect/>
+          </a:stretch>
+        </p:blipFill>
+        <p:spPr>
+          <a:xfrm>
+            <a:off x="2658304" y="469265"/>
+            <a:ext cx="5794033" cy="3985504"/>
+          </a:xfrm>
+          <a:prstGeom prst="rect">
+            <a:avLst/>
+          </a:prstGeom>
+        </p:spPr>
+      </p:pic>
+      <p:sp>
+        <p:nvSpPr>
+          <p:cNvPr id="7" name="文本框 6">
+            <a:extLst>
+              <a:ext uri="{FF2B5EF4-FFF2-40B4-BE49-F238E27FC236}">
+                <a16:creationId xmlns:a16="http://schemas.microsoft.com/office/drawing/2014/main" id="{8FAF14B9-299D-DB43-AFA3-CA4067B6B420}"/>
+              </a:ext>
+            </a:extLst>
+          </p:cNvPr>
+          <p:cNvSpPr txBox="1"/>
+          <p:nvPr/>
+        </p:nvSpPr>
+        <p:spPr>
+          <a:xfrm>
+            <a:off x="3141784" y="4454769"/>
+            <a:ext cx="5638801" cy="430887"/>
+          </a:xfrm>
+          <a:prstGeom prst="rect">
+            <a:avLst/>
+          </a:prstGeom>
+          <a:noFill/>
+        </p:spPr>
+        <p:txBody>
+          <a:bodyPr wrap="square">
+            <a:spAutoFit/>
+          </a:bodyPr>
+          <a:lstStyle/>
+          <a:p>
+            <a:r>
+              <a:rPr lang="en-US" altLang="zh-CN" sz="1100" kern="0" dirty="0">
+                <a:effectLst/>
+                <a:latin typeface="Arial" panose="020B0604020202020204" pitchFamily="34" charset="0"/>
+                <a:ea typeface="Times New Roman" panose="02020603050405020304" pitchFamily="18" charset="0"/>
+              </a:rPr>
+              <a:t>Diagram: Open bank scored highly in consumer adoption &amp; sentiment while encouraging innovation at the same time in China, Source: EY, 2018.</a:t>
+            </a:r>
+            <a:r>
+              <a:rPr lang="zh-CN" altLang="zh-CN" sz="1100" dirty="0">
+                <a:effectLst/>
+              </a:rPr>
+              <a:t> </a:t>
+            </a:r>
+            <a:endParaRPr lang="zh-CN" altLang="en-US" sz="1100" dirty="0"/>
+          </a:p>
+        </p:txBody>
+      </p:sp>
+    </p:spTree>
+    <p:extLst>
+      <p:ext uri="{BB962C8B-B14F-4D97-AF65-F5344CB8AC3E}">
+        <p14:creationId xmlns:p14="http://schemas.microsoft.com/office/powerpoint/2010/main" val="3103489962"/>
+      </p:ext>
+    </p:extLst>
+  </p:cSld>
+  <p:clrMapOvr>
+    <a:masterClrMapping/>
+  </p:clrMapOvr>
+</p:sld>
+</file>
+
 <file path=ppt/theme/theme1.xml><?xml version="1.0" encoding="utf-8"?>
 <a:theme xmlns:a="http://schemas.openxmlformats.org/drawingml/2006/main" name="Office 主题​​">
   <a:themeElements>
